--- a/html_ppt/Chap16-모바일웹페이지.pptx
+++ b/html_ppt/Chap16-모바일웹페이지.pptx
@@ -161,6 +161,36 @@
       </a:defRPr>
     </a:lvl9pPr>
   </p:defaultTextStyle>
+  <p:extLst>
+    <p:ext uri="{EFAFB233-063F-42B5-8137-9DF3F51BA10A}">
+      <p15:sldGuideLst xmlns:p15="http://schemas.microsoft.com/office/powerpoint/2012/main">
+        <p15:guide id="1" orient="horz" pos="2160">
+          <p15:clr>
+            <a:srgbClr val="A4A3A4"/>
+          </p15:clr>
+        </p15:guide>
+        <p15:guide id="2" pos="2880">
+          <p15:clr>
+            <a:srgbClr val="A4A3A4"/>
+          </p15:clr>
+        </p15:guide>
+      </p15:sldGuideLst>
+    </p:ext>
+    <p:ext uri="{2D200454-40CA-4A62-9FC3-DE9A4176ACB9}">
+      <p15:notesGuideLst xmlns:p15="http://schemas.microsoft.com/office/powerpoint/2012/main">
+        <p15:guide id="1" orient="horz" pos="2904">
+          <p15:clr>
+            <a:srgbClr val="A4A3A4"/>
+          </p15:clr>
+        </p15:guide>
+        <p15:guide id="2" pos="2184">
+          <p15:clr>
+            <a:srgbClr val="A4A3A4"/>
+          </p15:clr>
+        </p15:guide>
+      </p15:notesGuideLst>
+    </p:ext>
+  </p:extLst>
 </p:presentation>
 </file>
 
@@ -212,11 +242,7 @@
             <a:noFill/>
           </a:ln>
           <a:effectLst/>
-          <a:extLst>
-            <a:ext uri="{909E8E84-426E-40DD-AFC4-6F175D3DCCD1}"/>
-            <a:ext uri="{91240B29-F687-4F45-9708-019B960494DF}"/>
-            <a:ext uri="{AF507438-7753-43E0-B8FC-AC1667EBCBE1}"/>
-          </a:extLst>
+          <a:extLst/>
         </p:spPr>
         <p:txBody>
           <a:bodyPr vert="horz" wrap="square" lIns="91440" tIns="45720" rIns="91440" bIns="45720" numCol="1" anchor="t" anchorCtr="0" compatLnSpc="1">
@@ -263,11 +289,7 @@
             <a:noFill/>
           </a:ln>
           <a:effectLst/>
-          <a:extLst>
-            <a:ext uri="{909E8E84-426E-40DD-AFC4-6F175D3DCCD1}"/>
-            <a:ext uri="{91240B29-F687-4F45-9708-019B960494DF}"/>
-            <a:ext uri="{AF507438-7753-43E0-B8FC-AC1667EBCBE1}"/>
-          </a:extLst>
+          <a:extLst/>
         </p:spPr>
         <p:txBody>
           <a:bodyPr vert="horz" wrap="square" lIns="91440" tIns="45720" rIns="91440" bIns="45720" numCol="1" anchor="t" anchorCtr="0" compatLnSpc="1">
@@ -314,11 +336,7 @@
             <a:noFill/>
           </a:ln>
           <a:effectLst/>
-          <a:extLst>
-            <a:ext uri="{909E8E84-426E-40DD-AFC4-6F175D3DCCD1}"/>
-            <a:ext uri="{91240B29-F687-4F45-9708-019B960494DF}"/>
-            <a:ext uri="{AF507438-7753-43E0-B8FC-AC1667EBCBE1}"/>
-          </a:extLst>
+          <a:extLst/>
         </p:spPr>
         <p:txBody>
           <a:bodyPr vert="horz" wrap="square" lIns="91440" tIns="45720" rIns="91440" bIns="45720" numCol="1" anchor="b" anchorCtr="0" compatLnSpc="1">
@@ -365,11 +383,7 @@
             <a:noFill/>
           </a:ln>
           <a:effectLst/>
-          <a:extLst>
-            <a:ext uri="{909E8E84-426E-40DD-AFC4-6F175D3DCCD1}"/>
-            <a:ext uri="{91240B29-F687-4F45-9708-019B960494DF}"/>
-            <a:ext uri="{AF507438-7753-43E0-B8FC-AC1667EBCBE1}"/>
-          </a:extLst>
+          <a:extLst/>
         </p:spPr>
         <p:txBody>
           <a:bodyPr vert="horz" wrap="square" lIns="91440" tIns="45720" rIns="91440" bIns="45720" numCol="1" anchor="b" anchorCtr="0" compatLnSpc="1">
@@ -403,6 +417,430 @@
   </p:cSld>
   <p:clrMap bg1="lt1" tx1="dk1" bg2="lt2" tx2="dk2" accent1="accent1" accent2="accent2" accent3="accent3" accent4="accent4" accent5="accent5" accent6="accent6" hlink="hlink" folHlink="folHlink"/>
 </p:handoutMaster>
+</file>
+
+<file path=ppt/ink/ink1.xml><?xml version="1.0" encoding="utf-8"?>
+<inkml:ink xmlns:inkml="http://www.w3.org/2003/InkML">
+  <inkml:definitions>
+    <inkml:context xml:id="ctx0">
+      <inkml:inkSource xml:id="inkSrc0">
+        <inkml:traceFormat>
+          <inkml:channel name="X" type="integer" max="1920" units="cm"/>
+          <inkml:channel name="Y" type="integer" max="1080" units="cm"/>
+          <inkml:channel name="T" type="integer" max="2.14748E9" units="dev"/>
+        </inkml:traceFormat>
+        <inkml:channelProperties>
+          <inkml:channelProperty channel="X" name="resolution" value="36.85221" units="1/cm"/>
+          <inkml:channelProperty channel="Y" name="resolution" value="36.86007" units="1/cm"/>
+          <inkml:channelProperty channel="T" name="resolution" value="1" units="1/dev"/>
+        </inkml:channelProperties>
+      </inkml:inkSource>
+      <inkml:timestamp xml:id="ts0" timeString="2021-05-06T07:02:47.943"/>
+    </inkml:context>
+    <inkml:brush xml:id="br0">
+      <inkml:brushProperty name="width" value="0.06667" units="cm"/>
+      <inkml:brushProperty name="height" value="0.06667" units="cm"/>
+      <inkml:brushProperty name="color" value="#177D36"/>
+      <inkml:brushProperty name="fitToCurve" value="1"/>
+    </inkml:brush>
+  </inkml:definitions>
+  <inkml:traceGroup>
+    <inkml:annotationXML>
+      <emma:emma xmlns:emma="http://www.w3.org/2003/04/emma" version="1.0">
+        <emma:interpretation id="{9883F223-7A84-44EE-85A1-11D7E9F467BE}" emma:medium="tactile" emma:mode="ink">
+          <msink:context xmlns:msink="http://schemas.microsoft.com/ink/2010/main" type="inkDrawing" rotatedBoundingBox="10667,4431 17813,4362 17814,4412 10668,4481" shapeName="Other"/>
+        </emma:interpretation>
+      </emma:emma>
+    </inkml:annotationXML>
+    <inkml:trace contextRef="#ctx0" brushRef="#br0">0 121 0,'34'0'78,"33"0"-78,1 0 16,0 0-16,33 0 15,-33 0-15,68 0 16,-35 0-16,-33 0 16,0 0-16,-1 0 15,1 0-15,0 0 16,-34 0-16,33 0 16,-33 0-16,0 0 15,0 0-15,0-34 16,0 34-1,0 0 1,0 0-16,-1 0 16,1 0-1,0 0 1,0 0 15,0 0-15,0 0-16,0 0 15,-1 0 1,1 0 0,0 0-16,0 0 15,0 0 1,0 0-16,0 0 16,33 0-1,-33 0-15,0 0 16,0 0-16,34 0 15,-34 0 1,-1 0-16,1 0 16,0 0-16,0 0 15,0 0-15,0 0 16,0 0-16,33 0 16,-33 0-16,34 0 15,-34 0-15,34 0 16,-35 0-16,1 0 15,34 0 1,-34 0-16,0 0 31,0 0-31,0 0 16,-1 0-16,35-33 16,-34 33-1,34 0 1,-34 0-16,-1 0 15,1 0-15,34 0 16,-34 0-16,0 0 16,34 0-16,-35 0 15,1 0-15,0 0 16,0 0-16,0 0 16,0 0-16,0 0 15,-1 0-15,1 0 16,0 0-16,0 0 15,0 0-15,0 0 16,0 0-16,0 0 16,-1 0-1,35 0 1,-34 0-16,0 0 16,0 0-1,0 0 1,-1 0-1,1 0 1,0 0 15,0 0 1,0 0-1,0 0-16,0 0 1,0 0 0,-1 0-1,1 0 1,0 0 0,0 0-16,0 0 15,0 0-15,33 0 16,-33 0-16,0 0 15,0 0-15,34 0 16,-34 0-16,67 0 16,-67 0-16,34 0 15,-34 0-15,33 0 16,-33 0 0,34 0-16,-34 0 15,34 0-15,-34 0 16,33 0-16,1 0 15,0 0-15,-34 0 16,67 0-16,-67 0 16,34 0-16,0 0 15,-1 0-15,1 0 16,0 0-16,-34 0 16,33 0-16,1 0 15,0 0 1,-34 0-1,0 0 1,-1 0-16,1 0 16,0 0-1,0 0-15,0 0 16,0 0 0,0 0-1,-1 0 16,1 0-15,0 0-16,0 0 31,0 0 1,0 0-17,0 0 1,0 0-16,-1 0 15,1 0 1,0 0 109,0 0 47,0 0-156,0 0-1,0 0 1</inkml:trace>
+  </inkml:traceGroup>
+</inkml:ink>
+</file>
+
+<file path=ppt/ink/ink2.xml><?xml version="1.0" encoding="utf-8"?>
+<inkml:ink xmlns:inkml="http://www.w3.org/2003/InkML">
+  <inkml:definitions>
+    <inkml:context xml:id="ctx0">
+      <inkml:inkSource xml:id="inkSrc0">
+        <inkml:traceFormat>
+          <inkml:channel name="X" type="integer" max="1920" units="cm"/>
+          <inkml:channel name="Y" type="integer" max="1080" units="cm"/>
+          <inkml:channel name="T" type="integer" max="2.14748E9" units="dev"/>
+        </inkml:traceFormat>
+        <inkml:channelProperties>
+          <inkml:channelProperty channel="X" name="resolution" value="36.85221" units="1/cm"/>
+          <inkml:channelProperty channel="Y" name="resolution" value="36.86007" units="1/cm"/>
+          <inkml:channelProperty channel="T" name="resolution" value="1" units="1/dev"/>
+        </inkml:channelProperties>
+      </inkml:inkSource>
+      <inkml:timestamp xml:id="ts0" timeString="2021-05-06T07:02:51.456"/>
+    </inkml:context>
+    <inkml:brush xml:id="br0">
+      <inkml:brushProperty name="width" value="0.06667" units="cm"/>
+      <inkml:brushProperty name="height" value="0.06667" units="cm"/>
+      <inkml:brushProperty name="color" value="#177D36"/>
+      <inkml:brushProperty name="fitToCurve" value="1"/>
+    </inkml:brush>
+  </inkml:definitions>
+  <inkml:traceGroup>
+    <inkml:annotationXML>
+      <emma:emma xmlns:emma="http://www.w3.org/2003/04/emma" version="1.0">
+        <emma:interpretation id="{901AEBF7-2065-4BCA-AD31-293D2126CA52}" emma:medium="tactile" emma:mode="ink">
+          <msink:context xmlns:msink="http://schemas.microsoft.com/ink/2010/main" type="inkDrawing" rotatedBoundingBox="7934,922 11855,566 12051,2722 8130,3077" hotPoints="12046,1120 10048,2285 7801,1735 9799,570" semanticType="enclosure" shapeName="Ellipse"/>
+        </emma:interpretation>
+      </emma:emma>
+    </inkml:annotationXML>
+    <inkml:trace contextRef="#ctx0" brushRef="#br0">3065 2084 0,'-34'-34'16,"-135"0"-1,-34 0-15,67-33 16,-33 33-16,0-34 15,33 34-15,68 0 16,-67 34-16,33-34 16,1 34-1,-1-34-15,1 34 16,-35-33-16,1-1 16,33 34-16,-67-34 15,67 34-15,-67 0 16,101-34-16,-67 0 15,67-34-15,0 68 16,0-33-16,34-1 16,-33 0-16,33 0 15,0 0-15,0-34 16,34 1-16,0-35 16,0 68-16,0-67 15,0-69-15,68 102 16,67-101-16,35 101 15,-1-33-15,34 33 16,34-34-16,0 35 16,34 33-16,0 34 15,-68-34-15,34 34 16,-33 0-16,-35 0 16,68 0-16,-68 34 15,35 34-15,-35-35 16,-34 35-16,-33 0 15,-34 0 1,33-34-16,-67-1 16,0 1-16,-34 0 15,34 34-15,0-68 16,-34 68-16,0-35 16,0 35-16,0-34 15,0 68-15,0-1 16,0 35-16,-136-35 15,69 1-15,-35 33 16,0-33-16,-33-34 16,-1 33-16,1-33 15,0 0-15,33 0 16,-67-1-16,33-67 16,-33 34-16,-1 0 15,1-34-15,68 34 16,-35-34-16,102 0 15,-34 0-15,35 0 16</inkml:trace>
+  </inkml:traceGroup>
+</inkml:ink>
+</file>
+
+<file path=ppt/ink/ink3.xml><?xml version="1.0" encoding="utf-8"?>
+<inkml:ink xmlns:inkml="http://www.w3.org/2003/InkML">
+  <inkml:definitions>
+    <inkml:context xml:id="ctx0">
+      <inkml:inkSource xml:id="inkSrc0">
+        <inkml:traceFormat>
+          <inkml:channel name="X" type="integer" max="1920" units="cm"/>
+          <inkml:channel name="Y" type="integer" max="1080" units="cm"/>
+          <inkml:channel name="T" type="integer" max="2.14748E9" units="dev"/>
+        </inkml:traceFormat>
+        <inkml:channelProperties>
+          <inkml:channelProperty channel="X" name="resolution" value="36.85221" units="1/cm"/>
+          <inkml:channelProperty channel="Y" name="resolution" value="36.86007" units="1/cm"/>
+          <inkml:channelProperty channel="T" name="resolution" value="1" units="1/dev"/>
+        </inkml:channelProperties>
+      </inkml:inkSource>
+      <inkml:timestamp xml:id="ts0" timeString="2021-05-06T07:03:28.495"/>
+    </inkml:context>
+    <inkml:brush xml:id="br0">
+      <inkml:brushProperty name="width" value="0.06667" units="cm"/>
+      <inkml:brushProperty name="height" value="0.06667" units="cm"/>
+      <inkml:brushProperty name="color" value="#177D36"/>
+      <inkml:brushProperty name="fitToCurve" value="1"/>
+    </inkml:brush>
+  </inkml:definitions>
+  <inkml:traceGroup>
+    <inkml:annotationXML>
+      <emma:emma xmlns:emma="http://www.w3.org/2003/04/emma" version="1.0">
+        <emma:interpretation id="{95AF8A94-7E46-4F29-8998-347D266E83D1}" emma:medium="tactile" emma:mode="ink">
+          <msink:context xmlns:msink="http://schemas.microsoft.com/ink/2010/main" type="inkDrawing" rotatedBoundingBox="6941,7053 9210,7016 9211,7049 6942,7086" shapeName="Other"/>
+        </emma:interpretation>
+      </emma:emma>
+    </inkml:annotationXML>
+    <inkml:trace contextRef="#ctx0" brushRef="#br0">0 80 0,'34'0'63,"0"0"-48,0 0-15,0 0 16,0 0-16,0 0 16,-1 0-16,1 0 15,0 0 1,0 0-16,34 0 15,-34 0 1,0 0 0,-1 0-1,1 0 1,0-34-16,0 34 31,0 0 32,0 0-32,0 0-15,-1 0-1,1 0 1,0 0 15,0 0-15,0 0-1,0 0-15,0 0 16,0 0 0,-1 0-1,1 0 1,0 0 31,0 0-16,0 0-31,0 0 47,0 0-32,-1 0 1,1 0 0,0 0-1,0 0 1,0 0 0,0 0 30,0 0-30,0 0-16,33 0 16,-33 0-1,0 0 1,0 0 0,0 0-1,0 0 1,-1 0 15,35 0-15,0 0 15,-34 0-15,0 0 15,0 0 0,-1 0 0,1 0 1,0 0-1,0 0 0,0 0 172,0 0-187,0 0-1,-1 0 1</inkml:trace>
+  </inkml:traceGroup>
+</inkml:ink>
+</file>
+
+<file path=ppt/ink/ink4.xml><?xml version="1.0" encoding="utf-8"?>
+<inkml:ink xmlns:inkml="http://www.w3.org/2003/InkML">
+  <inkml:definitions>
+    <inkml:context xml:id="ctx0">
+      <inkml:inkSource xml:id="inkSrc0">
+        <inkml:traceFormat>
+          <inkml:channel name="X" type="integer" max="1920" units="cm"/>
+          <inkml:channel name="Y" type="integer" max="1080" units="cm"/>
+          <inkml:channel name="T" type="integer" max="2.14748E9" units="dev"/>
+        </inkml:traceFormat>
+        <inkml:channelProperties>
+          <inkml:channelProperty channel="X" name="resolution" value="36.85221" units="1/cm"/>
+          <inkml:channelProperty channel="Y" name="resolution" value="36.86007" units="1/cm"/>
+          <inkml:channelProperty channel="T" name="resolution" value="1" units="1/dev"/>
+        </inkml:channelProperties>
+      </inkml:inkSource>
+      <inkml:timestamp xml:id="ts0" timeString="2021-05-06T07:09:25.471"/>
+    </inkml:context>
+    <inkml:brush xml:id="br0">
+      <inkml:brushProperty name="width" value="0.26667" units="cm"/>
+      <inkml:brushProperty name="height" value="0.53333" units="cm"/>
+      <inkml:brushProperty name="color" value="#FFFF00"/>
+      <inkml:brushProperty name="tip" value="rectangle"/>
+      <inkml:brushProperty name="rasterOp" value="maskPen"/>
+      <inkml:brushProperty name="fitToCurve" value="1"/>
+    </inkml:brush>
+  </inkml:definitions>
+  <inkml:trace contextRef="#ctx0" brushRef="#br0">0 45 0,'68'0'78,"-1"0"-78,35 0 16,0 0-16,-1 0 15,35 0-15,-35 0 16,1 0-16,-1 0 16,35 0-16,-68 0 15,33 0-15,-33 0 16,34 0-16,-1 0 16,1 0-16,-35 0 15,1 0-15,0 0 16,-34 0-1,0 0 17,0 0-32,-1 0 31,1 0-15,0 0-1,-34 34 1</inkml:trace>
+</inkml:ink>
+</file>
+
+<file path=ppt/ink/ink5.xml><?xml version="1.0" encoding="utf-8"?>
+<inkml:ink xmlns:inkml="http://www.w3.org/2003/InkML">
+  <inkml:definitions>
+    <inkml:context xml:id="ctx0">
+      <inkml:inkSource xml:id="inkSrc0">
+        <inkml:traceFormat>
+          <inkml:channel name="X" type="integer" max="1920" units="cm"/>
+          <inkml:channel name="Y" type="integer" max="1080" units="cm"/>
+          <inkml:channel name="T" type="integer" max="2.14748E9" units="dev"/>
+        </inkml:traceFormat>
+        <inkml:channelProperties>
+          <inkml:channelProperty channel="X" name="resolution" value="36.85221" units="1/cm"/>
+          <inkml:channelProperty channel="Y" name="resolution" value="36.86007" units="1/cm"/>
+          <inkml:channelProperty channel="T" name="resolution" value="1" units="1/dev"/>
+        </inkml:channelProperties>
+      </inkml:inkSource>
+      <inkml:timestamp xml:id="ts0" timeString="2021-05-06T07:04:10.855"/>
+    </inkml:context>
+    <inkml:brush xml:id="br0">
+      <inkml:brushProperty name="width" value="0.06667" units="cm"/>
+      <inkml:brushProperty name="height" value="0.06667" units="cm"/>
+      <inkml:brushProperty name="color" value="#177D36"/>
+      <inkml:brushProperty name="fitToCurve" value="1"/>
+    </inkml:brush>
+  </inkml:definitions>
+  <inkml:traceGroup>
+    <inkml:annotationXML>
+      <emma:emma xmlns:emma="http://www.w3.org/2003/04/emma" version="1.0">
+        <emma:interpretation id="{F734F69E-0A23-4D8C-A93F-3E7264740ED0}" emma:medium="tactile" emma:mode="ink">
+          <msink:context xmlns:msink="http://schemas.microsoft.com/ink/2010/main" type="writingRegion" rotatedBoundingBox="5622,4064 7992,4064 7992,4892 5622,4892"/>
+        </emma:interpretation>
+      </emma:emma>
+    </inkml:annotationXML>
+    <inkml:traceGroup>
+      <inkml:annotationXML>
+        <emma:emma xmlns:emma="http://www.w3.org/2003/04/emma" version="1.0">
+          <emma:interpretation id="{0F841C1A-27CA-480F-B66D-E5C95963C657}" emma:medium="tactile" emma:mode="ink">
+            <msink:context xmlns:msink="http://schemas.microsoft.com/ink/2010/main" type="paragraph" rotatedBoundingBox="5622,4064 7992,4064 7992,4892 5622,4892" alignmentLevel="1"/>
+          </emma:interpretation>
+        </emma:emma>
+      </inkml:annotationXML>
+      <inkml:traceGroup>
+        <inkml:annotationXML>
+          <emma:emma xmlns:emma="http://www.w3.org/2003/04/emma" version="1.0">
+            <emma:interpretation id="{B26ABAB7-0832-47DE-ADFE-227F11513FD1}" emma:medium="tactile" emma:mode="ink">
+              <msink:context xmlns:msink="http://schemas.microsoft.com/ink/2010/main" type="line" rotatedBoundingBox="5622,4064 7992,4064 7992,4892 5622,4892"/>
+            </emma:interpretation>
+          </emma:emma>
+        </inkml:annotationXML>
+        <inkml:traceGroup>
+          <inkml:annotationXML>
+            <emma:emma xmlns:emma="http://www.w3.org/2003/04/emma" version="1.0">
+              <emma:interpretation id="{86FFAB7D-46A6-49BE-8943-7F6326B55710}" emma:medium="tactile" emma:mode="ink">
+                <msink:context xmlns:msink="http://schemas.microsoft.com/ink/2010/main" type="inkWord" rotatedBoundingBox="5622,4064 6773,4064 6773,4098 5622,4098"/>
+              </emma:interpretation>
+              <emma:one-of disjunction-type="recognition" id="oneOf0">
+                <emma:interpretation id="interp0" emma:lang="" emma:confidence="1">
+                  <emma:literal/>
+                </emma:interpretation>
+              </emma:one-of>
+            </emma:emma>
+          </inkml:annotationXML>
+          <inkml:trace contextRef="#ctx0" brushRef="#br0">0 50 0,'33'0'16,"1"0"-16,0-34 16,0 34-1,0 0 1,0 0 140,0 0-140,33 0-1,-33 0 1,0 0 0,0 0-16,34 0 31,-34 0-16,-1 0 1,1 0 0,0 0-16,0 0 15,0 0 1,0 0 0,0 0-1,0 0 1,-1 0-1,1 0 1,0 0 0,0 0-1,0 0-15,0 0 16,0 0 0,-1 0-16,1 0 15,0 0 1,0 0 15</inkml:trace>
+        </inkml:traceGroup>
+        <inkml:traceGroup>
+          <inkml:annotationXML>
+            <emma:emma xmlns:emma="http://www.w3.org/2003/04/emma" version="1.0">
+              <emma:interpretation id="{F9748A60-AC7D-4A8B-80C9-300CA605E5D9}" emma:medium="tactile" emma:mode="ink">
+                <msink:context xmlns:msink="http://schemas.microsoft.com/ink/2010/main" type="inkWord" rotatedBoundingBox="6197,4877 7992,4877 7992,4892 6197,4892"/>
+              </emma:interpretation>
+              <emma:one-of disjunction-type="recognition" id="oneOf1">
+                <emma:interpretation id="interp1" emma:lang="" emma:confidence="0">
+                  <emma:literal>-</emma:literal>
+                </emma:interpretation>
+                <emma:interpretation id="interp2" emma:lang="" emma:confidence="0">
+                  <emma:literal>_</emma:literal>
+                </emma:interpretation>
+                <emma:interpretation id="interp3" emma:lang="" emma:confidence="0">
+                  <emma:literal>ㅡ</emma:literal>
+                </emma:interpretation>
+                <emma:interpretation id="interp4" emma:lang="" emma:confidence="0">
+                  <emma:literal>一</emma:literal>
+                </emma:interpretation>
+                <emma:interpretation id="interp5" emma:lang="" emma:confidence="0">
+                  <emma:literal>…</emma:literal>
+                </emma:interpretation>
+              </emma:one-of>
+            </emma:emma>
+          </inkml:annotationXML>
+          <inkml:trace contextRef="#ctx0" brushRef="#br0" timeOffset="2592.6939">575 829 0,'34'0'63,"0"0"-63,34 0 15,-34 0 1,0 0 0,33 0-16,1 0 15,-34 0-15,34 0 16,33 0-16,-67 0 15,34 0-15,0 0 16,-35 0-16,35 0 16,-34 0-16,34 0 15,-34 0-15,-1 0 16,35 0-16,0 0 16,-34 0-1,0 0-15,0 0 16,-1 0-16,35 0 15,-34 0-15,34 0 16,-1 0 15,-33 0-15,0 0 15,0 0 0,0 0 1,0 0-1,0 0 0,0 0 47,-1 0-62,1 0 0</inkml:trace>
+        </inkml:traceGroup>
+      </inkml:traceGroup>
+    </inkml:traceGroup>
+  </inkml:traceGroup>
+</inkml:ink>
+</file>
+
+<file path=ppt/ink/ink6.xml><?xml version="1.0" encoding="utf-8"?>
+<inkml:ink xmlns:inkml="http://www.w3.org/2003/InkML">
+  <inkml:definitions>
+    <inkml:context xml:id="ctx0">
+      <inkml:inkSource xml:id="inkSrc0">
+        <inkml:traceFormat>
+          <inkml:channel name="X" type="integer" max="1920" units="cm"/>
+          <inkml:channel name="Y" type="integer" max="1080" units="cm"/>
+          <inkml:channel name="T" type="integer" max="2.14748E9" units="dev"/>
+        </inkml:traceFormat>
+        <inkml:channelProperties>
+          <inkml:channelProperty channel="X" name="resolution" value="36.85221" units="1/cm"/>
+          <inkml:channelProperty channel="Y" name="resolution" value="36.86007" units="1/cm"/>
+          <inkml:channelProperty channel="T" name="resolution" value="1" units="1/dev"/>
+        </inkml:channelProperties>
+      </inkml:inkSource>
+      <inkml:timestamp xml:id="ts0" timeString="2021-05-06T07:05:13.759"/>
+    </inkml:context>
+    <inkml:brush xml:id="br0">
+      <inkml:brushProperty name="width" value="0.06667" units="cm"/>
+      <inkml:brushProperty name="height" value="0.06667" units="cm"/>
+      <inkml:brushProperty name="color" value="#177D36"/>
+      <inkml:brushProperty name="fitToCurve" value="1"/>
+    </inkml:brush>
+  </inkml:definitions>
+  <inkml:traceGroup>
+    <inkml:annotationXML>
+      <emma:emma xmlns:emma="http://www.w3.org/2003/04/emma" version="1.0">
+        <emma:interpretation id="{00D998B0-876E-483A-86FC-2FB493D6691B}" emma:medium="tactile" emma:mode="ink">
+          <msink:context xmlns:msink="http://schemas.microsoft.com/ink/2010/main" type="inkDrawing" rotatedBoundingBox="15814,10532 19337,10522 19338,10556 15815,10566" shapeName="Other"/>
+        </emma:interpretation>
+      </emma:emma>
+    </inkml:annotationXML>
+    <inkml:trace contextRef="#ctx0" brushRef="#br0">0 52 0,'34'0'78,"0"0"-78,0-34 16,34 34-16,-34 0 16,67 0-16,-33 0 15,34 0-15,-35 0 16,35 0-16,33 0 15,-101 0 1,68 0-16,-1 0 16,-33 0-16,-34 0 15,34 0-15,0 0 16,-35 0-16,1 0 16,34 0-16,-34 0 15,0 0-15,0 0 16,33 0-16,-33 0 15,34 0-15,-34 0 16,34 0-16,-1 0 16,-33 0-16,0 0 15,34 0-15,-34 0 16,-1 0-16,35 0 16,-34 0-16,0 0 15,68 0-15,-69 0 16,1 0-16,34 0 15,-34 0-15,0 0 16,33 0-16,-33 0 16,0 0-16,0 0 15,0 0-15,0 0 16,0 0-16,0 0 16,67 0-16,-67 0 15,0 0 1,34 0-16,-35 0 15,35 0-15,-34 0 16,0 0-16,34 0 16,-34 0-16,-1 0 15,1 0-15,34 0 16,-34 0-16,0 0 16,0 0 15</inkml:trace>
+  </inkml:traceGroup>
+</inkml:ink>
+</file>
+
+<file path=ppt/ink/ink7.xml><?xml version="1.0" encoding="utf-8"?>
+<inkml:ink xmlns:inkml="http://www.w3.org/2003/InkML">
+  <inkml:definitions>
+    <inkml:context xml:id="ctx0">
+      <inkml:inkSource xml:id="inkSrc0">
+        <inkml:traceFormat>
+          <inkml:channel name="X" type="integer" max="1920" units="cm"/>
+          <inkml:channel name="Y" type="integer" max="1080" units="cm"/>
+          <inkml:channel name="T" type="integer" max="2.14748E9" units="dev"/>
+        </inkml:traceFormat>
+        <inkml:channelProperties>
+          <inkml:channelProperty channel="X" name="resolution" value="36.85221" units="1/cm"/>
+          <inkml:channelProperty channel="Y" name="resolution" value="36.86007" units="1/cm"/>
+          <inkml:channelProperty channel="T" name="resolution" value="1" units="1/dev"/>
+        </inkml:channelProperties>
+      </inkml:inkSource>
+      <inkml:timestamp xml:id="ts0" timeString="2021-05-06T07:05:33.975"/>
+    </inkml:context>
+    <inkml:brush xml:id="br0">
+      <inkml:brushProperty name="width" value="0.06667" units="cm"/>
+      <inkml:brushProperty name="height" value="0.06667" units="cm"/>
+      <inkml:brushProperty name="color" value="#177D36"/>
+      <inkml:brushProperty name="fitToCurve" value="1"/>
+    </inkml:brush>
+  </inkml:definitions>
+  <inkml:traceGroup>
+    <inkml:annotationXML>
+      <emma:emma xmlns:emma="http://www.w3.org/2003/04/emma" version="1.0">
+        <emma:interpretation id="{84D4EA1B-E012-4D7F-AD8F-70812171430B}" emma:medium="tactile" emma:mode="ink">
+          <msink:context xmlns:msink="http://schemas.microsoft.com/ink/2010/main" type="writingRegion" rotatedBoundingBox="5215,10668 7247,10668 7247,10683 5215,10683"/>
+        </emma:interpretation>
+      </emma:emma>
+    </inkml:annotationXML>
+    <inkml:traceGroup>
+      <inkml:annotationXML>
+        <emma:emma xmlns:emma="http://www.w3.org/2003/04/emma" version="1.0">
+          <emma:interpretation id="{D10A4546-455D-4E06-9563-75F5551D2EFC}" emma:medium="tactile" emma:mode="ink">
+            <msink:context xmlns:msink="http://schemas.microsoft.com/ink/2010/main" type="paragraph" rotatedBoundingBox="5215,10668 7247,10668 7247,10683 5215,10683" alignmentLevel="1"/>
+          </emma:interpretation>
+        </emma:emma>
+      </inkml:annotationXML>
+      <inkml:traceGroup>
+        <inkml:annotationXML>
+          <emma:emma xmlns:emma="http://www.w3.org/2003/04/emma" version="1.0">
+            <emma:interpretation id="{0AA0F88D-1569-4DF6-B2EB-990DFD3C6DF0}" emma:medium="tactile" emma:mode="ink">
+              <msink:context xmlns:msink="http://schemas.microsoft.com/ink/2010/main" type="line" rotatedBoundingBox="5215,10668 7247,10668 7247,10683 5215,10683"/>
+            </emma:interpretation>
+          </emma:emma>
+        </inkml:annotationXML>
+        <inkml:traceGroup>
+          <inkml:annotationXML>
+            <emma:emma xmlns:emma="http://www.w3.org/2003/04/emma" version="1.0">
+              <emma:interpretation id="{03110F12-7AE7-48CA-9FC0-715895F2AC6E}" emma:medium="tactile" emma:mode="ink">
+                <msink:context xmlns:msink="http://schemas.microsoft.com/ink/2010/main" type="inkWord" rotatedBoundingBox="5215,10668 7247,10668 7247,10683 5215,10683"/>
+              </emma:interpretation>
+              <emma:one-of disjunction-type="recognition" id="oneOf0">
+                <emma:interpretation id="interp0" emma:lang="" emma:confidence="0">
+                  <emma:literal>-</emma:literal>
+                </emma:interpretation>
+                <emma:interpretation id="interp1" emma:lang="" emma:confidence="0">
+                  <emma:literal>_</emma:literal>
+                </emma:interpretation>
+                <emma:interpretation id="interp2" emma:lang="" emma:confidence="0">
+                  <emma:literal>ㅡ</emma:literal>
+                </emma:interpretation>
+                <emma:interpretation id="interp3" emma:lang="" emma:confidence="0">
+                  <emma:literal>一</emma:literal>
+                </emma:interpretation>
+                <emma:interpretation id="interp4" emma:lang="" emma:confidence="0">
+                  <emma:literal>…</emma:literal>
+                </emma:interpretation>
+              </emma:one-of>
+            </emma:emma>
+          </inkml:annotationXML>
+          <inkml:trace contextRef="#ctx0" brushRef="#br0">0 0 0,'34'0'141,"0"0"-141,0 0 16,34 0-16,-35 0 15,1 0-15,0 0 16,0 0-1,0 0-15,34 0 16,-35 0 0,1 0-1,0 0-15,0 0 16,0 0 0,0 0-16,0 0 15,0 0-15,-1 0 16,1 0-1,0 0 1,0 0 0,0 0-1,0 0-15,0 0 16,33 0 0,-33 0-1,0 0-15,0 0 16,0 0-1,34 0 1,-35 0 0,1 0-1,0 0 1,0 0-16,0 0 16,0 0-1,0 0 1,-1 0 15,1 0-31,0 0 16,0 0-1,0 0 1,0 0 0,0 0-1,0 0 16,-1 0 1,1 0-17,0 0 32,0 0-31,0 0 15,0 0 0,0 0 1,-1 0-17,1 0 16,0 0-15</inkml:trace>
+        </inkml:traceGroup>
+      </inkml:traceGroup>
+    </inkml:traceGroup>
+  </inkml:traceGroup>
+</inkml:ink>
+</file>
+
+<file path=ppt/ink/ink8.xml><?xml version="1.0" encoding="utf-8"?>
+<inkml:ink xmlns:inkml="http://www.w3.org/2003/InkML">
+  <inkml:definitions>
+    <inkml:context xml:id="ctx0">
+      <inkml:inkSource xml:id="inkSrc0">
+        <inkml:traceFormat>
+          <inkml:channel name="X" type="integer" max="1920" units="cm"/>
+          <inkml:channel name="Y" type="integer" max="1080" units="cm"/>
+          <inkml:channel name="T" type="integer" max="2.14748E9" units="dev"/>
+        </inkml:traceFormat>
+        <inkml:channelProperties>
+          <inkml:channelProperty channel="X" name="resolution" value="36.85221" units="1/cm"/>
+          <inkml:channelProperty channel="Y" name="resolution" value="36.86007" units="1/cm"/>
+          <inkml:channelProperty channel="T" name="resolution" value="1" units="1/dev"/>
+        </inkml:channelProperties>
+      </inkml:inkSource>
+      <inkml:timestamp xml:id="ts0" timeString="2021-05-06T07:06:11.151"/>
+    </inkml:context>
+    <inkml:brush xml:id="br0">
+      <inkml:brushProperty name="width" value="0.26667" units="cm"/>
+      <inkml:brushProperty name="height" value="0.53333" units="cm"/>
+      <inkml:brushProperty name="color" value="#FFFF00"/>
+      <inkml:brushProperty name="tip" value="rectangle"/>
+      <inkml:brushProperty name="rasterOp" value="maskPen"/>
+      <inkml:brushProperty name="fitToCurve" value="1"/>
+    </inkml:brush>
+  </inkml:definitions>
+  <inkml:trace contextRef="#ctx0" brushRef="#br0">0 0 0,'34'0'93,"0"0"-77,-1 0 0,1 0-16,34 0 15,-34 0-15,0 0 16,34 0-1,-35 0-15,1 0 16,0 0-16,34 0 16,0 0-16,-35 0 15,35 0-15,-34 0 16,0 0-16,34 0 16,-34 0-16,33 0 15,-33 0-15,0 0 16,34 0-16,-1 0 15,-33 0-15,0 0 16,34 0-16,-34 0 16,0 0-16,0 0 15,33 0-15,1 0 16,-34 0 0,34 0-16,-35 0 15,1 0 1,34 0-16,-34 0 15,0 0 1,0 0 0,0 0 31,-1 0-32,1 0 1,0 0-1,0 0 1,0 0 0,0 0-1,0 0 1,-1 0-16,1 0 31,0 0 16,0 0-16,0 0 47,0 0-62,0 0 0,0 0-16,-1 0 15</inkml:trace>
+</inkml:ink>
+</file>
+
+<file path=ppt/ink/ink9.xml><?xml version="1.0" encoding="utf-8"?>
+<inkml:ink xmlns:inkml="http://www.w3.org/2003/InkML">
+  <inkml:definitions>
+    <inkml:context xml:id="ctx0">
+      <inkml:inkSource xml:id="inkSrc0">
+        <inkml:traceFormat>
+          <inkml:channel name="X" type="integer" max="1920" units="cm"/>
+          <inkml:channel name="Y" type="integer" max="1080" units="cm"/>
+          <inkml:channel name="T" type="integer" max="2.14748E9" units="dev"/>
+        </inkml:traceFormat>
+        <inkml:channelProperties>
+          <inkml:channelProperty channel="X" name="resolution" value="36.85221" units="1/cm"/>
+          <inkml:channelProperty channel="Y" name="resolution" value="36.86007" units="1/cm"/>
+          <inkml:channelProperty channel="T" name="resolution" value="1" units="1/dev"/>
+        </inkml:channelProperties>
+      </inkml:inkSource>
+      <inkml:timestamp xml:id="ts0" timeString="2021-05-06T07:06:13.111"/>
+    </inkml:context>
+    <inkml:brush xml:id="br0">
+      <inkml:brushProperty name="width" value="0.26667" units="cm"/>
+      <inkml:brushProperty name="height" value="0.53333" units="cm"/>
+      <inkml:brushProperty name="color" value="#FFFF00"/>
+      <inkml:brushProperty name="tip" value="rectangle"/>
+      <inkml:brushProperty name="rasterOp" value="maskPen"/>
+      <inkml:brushProperty name="fitToCurve" value="1"/>
+    </inkml:brush>
+  </inkml:definitions>
+  <inkml:trace contextRef="#ctx0" brushRef="#br0">0 0 0,'68'0'78,"-34"0"-78,33 0 16,-33 0-16,34 0 15,0 0-15,-34 0 16,33 0-16,1 0 16,0 0-16,-34 0 15,67 0-15,-67 0 16,34 0-16,-34 0 16,33 0-1,1 0-15,-34 0 16,34 0-16,0 0 15,-35 0-15,35 0 16,-34 0-16,34 0 16,-34 0-16,-1 0 15,1 0 1,0 0-16,34 0 16,0 0-1,-34 0 1,-1 0-1,1 0-15,0 0 16,0 0 0,0 0 15,0 0-15,0 0-1,-1 0 1,1 0 15,0 0-31,0 0 16,0 0 15,0 0-15,0 0-1,0 0 16,-1 0-15</inkml:trace>
+</inkml:ink>
 </file>
 
 <file path=ppt/notesMasters/notesMaster1.xml><?xml version="1.0" encoding="utf-8"?>
@@ -453,11 +891,7 @@
             <a:noFill/>
           </a:ln>
           <a:effectLst/>
-          <a:extLst>
-            <a:ext uri="{909E8E84-426E-40DD-AFC4-6F175D3DCCD1}"/>
-            <a:ext uri="{91240B29-F687-4F45-9708-019B960494DF}"/>
-            <a:ext uri="{AF507438-7753-43E0-B8FC-AC1667EBCBE1}"/>
-          </a:extLst>
+          <a:extLst/>
         </p:spPr>
         <p:txBody>
           <a:bodyPr vert="horz" wrap="square" lIns="92309" tIns="46154" rIns="92309" bIns="46154" numCol="1" anchor="t" anchorCtr="0" compatLnSpc="1">
@@ -504,11 +938,7 @@
             <a:noFill/>
           </a:ln>
           <a:effectLst/>
-          <a:extLst>
-            <a:ext uri="{909E8E84-426E-40DD-AFC4-6F175D3DCCD1}"/>
-            <a:ext uri="{91240B29-F687-4F45-9708-019B960494DF}"/>
-            <a:ext uri="{AF507438-7753-43E0-B8FC-AC1667EBCBE1}"/>
-          </a:extLst>
+          <a:extLst/>
         </p:spPr>
         <p:txBody>
           <a:bodyPr vert="horz" wrap="square" lIns="92309" tIns="46154" rIns="92309" bIns="46154" numCol="1" anchor="t" anchorCtr="0" compatLnSpc="1">
@@ -584,11 +1014,7 @@
             <a:noFill/>
           </a:ln>
           <a:effectLst/>
-          <a:extLst>
-            <a:ext uri="{909E8E84-426E-40DD-AFC4-6F175D3DCCD1}"/>
-            <a:ext uri="{91240B29-F687-4F45-9708-019B960494DF}"/>
-            <a:ext uri="{AF507438-7753-43E0-B8FC-AC1667EBCBE1}"/>
-          </a:extLst>
+          <a:extLst/>
         </p:spPr>
         <p:txBody>
           <a:bodyPr vert="horz" wrap="square" lIns="92309" tIns="46154" rIns="92309" bIns="46154" numCol="1" anchor="t" anchorCtr="0" compatLnSpc="1">
@@ -657,11 +1083,7 @@
             <a:noFill/>
           </a:ln>
           <a:effectLst/>
-          <a:extLst>
-            <a:ext uri="{909E8E84-426E-40DD-AFC4-6F175D3DCCD1}"/>
-            <a:ext uri="{91240B29-F687-4F45-9708-019B960494DF}"/>
-            <a:ext uri="{AF507438-7753-43E0-B8FC-AC1667EBCBE1}"/>
-          </a:extLst>
+          <a:extLst/>
         </p:spPr>
         <p:txBody>
           <a:bodyPr vert="horz" wrap="square" lIns="92309" tIns="46154" rIns="92309" bIns="46154" numCol="1" anchor="b" anchorCtr="0" compatLnSpc="1">
@@ -708,11 +1130,7 @@
             <a:noFill/>
           </a:ln>
           <a:effectLst/>
-          <a:extLst>
-            <a:ext uri="{909E8E84-426E-40DD-AFC4-6F175D3DCCD1}"/>
-            <a:ext uri="{91240B29-F687-4F45-9708-019B960494DF}"/>
-            <a:ext uri="{AF507438-7753-43E0-B8FC-AC1667EBCBE1}"/>
-          </a:extLst>
+          <a:extLst/>
         </p:spPr>
         <p:txBody>
           <a:bodyPr vert="horz" wrap="square" lIns="92309" tIns="46154" rIns="92309" bIns="46154" numCol="1" anchor="b" anchorCtr="0" compatLnSpc="1">
@@ -2591,7 +3009,7 @@
               <a:pPr>
                 <a:defRPr/>
               </a:pPr>
-              <a:t>12/5/2017</a:t>
+              <a:t>5/6/2021</a:t>
             </a:fld>
             <a:endParaRPr lang="en-US"/>
           </a:p>
@@ -4302,7 +4720,7 @@
               <a:pPr>
                 <a:defRPr/>
               </a:pPr>
-              <a:t>12/5/2017</a:t>
+              <a:t>5/6/2021</a:t>
             </a:fld>
             <a:endParaRPr lang="en-US"/>
           </a:p>
@@ -6017,7 +6435,7 @@
               <a:pPr>
                 <a:defRPr/>
               </a:pPr>
-              <a:t>12/5/2017</a:t>
+              <a:t>5/6/2021</a:t>
             </a:fld>
             <a:endParaRPr lang="en-US"/>
           </a:p>
@@ -6556,7 +6974,7 @@
               <a:pPr>
                 <a:defRPr/>
               </a:pPr>
-              <a:t>12/5/2017</a:t>
+              <a:t>5/6/2021</a:t>
             </a:fld>
             <a:endParaRPr lang="en-US"/>
           </a:p>
@@ -8025,7 +8443,7 @@
               <a:pPr>
                 <a:defRPr/>
               </a:pPr>
-              <a:t>12/5/2017</a:t>
+              <a:t>5/6/2021</a:t>
             </a:fld>
             <a:endParaRPr lang="en-US"/>
           </a:p>
@@ -9050,7 +9468,7 @@
               <a:pPr>
                 <a:defRPr/>
               </a:pPr>
-              <a:t>12/5/2017</a:t>
+              <a:t>5/6/2021</a:t>
             </a:fld>
             <a:endParaRPr lang="en-US"/>
           </a:p>
@@ -9708,7 +10126,7 @@
               <a:pPr>
                 <a:defRPr/>
               </a:pPr>
-              <a:t>12/5/2017</a:t>
+              <a:t>5/6/2021</a:t>
             </a:fld>
             <a:endParaRPr lang="en-US"/>
           </a:p>
@@ -11368,7 +11786,7 @@
               <a:pPr>
                 <a:defRPr/>
               </a:pPr>
-              <a:t>12/5/2017</a:t>
+              <a:t>5/6/2021</a:t>
             </a:fld>
             <a:endParaRPr lang="en-US"/>
           </a:p>
@@ -13000,7 +13418,7 @@
               <a:pPr>
                 <a:defRPr/>
               </a:pPr>
-              <a:t>12/5/2017</a:t>
+              <a:t>5/6/2021</a:t>
             </a:fld>
             <a:endParaRPr lang="en-US"/>
           </a:p>
@@ -15038,7 +15456,7 @@
               <a:pPr>
                 <a:defRPr/>
               </a:pPr>
-              <a:t>12/5/2017</a:t>
+              <a:t>5/6/2021</a:t>
             </a:fld>
             <a:endParaRPr lang="en-US"/>
           </a:p>
@@ -17244,7 +17662,7 @@
               <a:pPr>
                 <a:defRPr/>
               </a:pPr>
-              <a:t>12/5/2017</a:t>
+              <a:t>5/6/2021</a:t>
             </a:fld>
             <a:endParaRPr lang="en-US"/>
           </a:p>
@@ -18129,7 +18547,7 @@
               <a:pPr>
                 <a:defRPr/>
               </a:pPr>
-              <a:t>12/5/2017</a:t>
+              <a:t>5/6/2021</a:t>
             </a:fld>
             <a:endParaRPr lang="en-US"/>
           </a:p>
@@ -18818,9 +19236,7 @@
               </a:schemeClr>
             </a:outerShdw>
           </a:effectLst>
-          <a:extLst>
-            <a:ext uri="{91240B29-F687-4F45-9708-019B960494DF}"/>
-          </a:extLst>
+          <a:extLst/>
         </p:spPr>
         <p:txBody>
           <a:bodyPr>
@@ -19366,7 +19782,7 @@
           <a:blip r:embed="rId2" cstate="print">
             <a:extLst>
               <a:ext uri="{28A0092B-C50C-407E-A947-70E740481C1C}">
-                <a14:useLocalDpi xmlns="" xmlns:a14="http://schemas.microsoft.com/office/drawing/2010/main" val="0"/>
+                <a14:useLocalDpi xmlns:a14="http://schemas.microsoft.com/office/drawing/2010/main" val="0"/>
               </a:ext>
             </a:extLst>
           </a:blip>
@@ -19386,7 +19802,7 @@
           <a:noFill/>
           <a:extLst>
             <a:ext uri="{909E8E84-426E-40DD-AFC4-6F175D3DCCD1}">
-              <a14:hiddenFill xmlns="" xmlns:a14="http://schemas.microsoft.com/office/drawing/2010/main">
+              <a14:hiddenFill xmlns:a14="http://schemas.microsoft.com/office/drawing/2010/main">
                 <a:solidFill>
                   <a:srgbClr val="FFFFFF"/>
                 </a:solidFill>
@@ -19407,7 +19823,7 @@
           <a:blip r:embed="rId3" cstate="print">
             <a:extLst>
               <a:ext uri="{28A0092B-C50C-407E-A947-70E740481C1C}">
-                <a14:useLocalDpi xmlns="" xmlns:a14="http://schemas.microsoft.com/office/drawing/2010/main" val="0"/>
+                <a14:useLocalDpi xmlns:a14="http://schemas.microsoft.com/office/drawing/2010/main" val="0"/>
               </a:ext>
             </a:extLst>
           </a:blip>
@@ -19427,7 +19843,7 @@
           <a:noFill/>
           <a:extLst>
             <a:ext uri="{909E8E84-426E-40DD-AFC4-6F175D3DCCD1}">
-              <a14:hiddenFill xmlns="" xmlns:a14="http://schemas.microsoft.com/office/drawing/2010/main">
+              <a14:hiddenFill xmlns:a14="http://schemas.microsoft.com/office/drawing/2010/main">
                 <a:solidFill>
                   <a:srgbClr val="FFFFFF"/>
                 </a:solidFill>
@@ -19487,7 +19903,7 @@
     </p:spTree>
     <p:extLst>
       <p:ext uri="{BB962C8B-B14F-4D97-AF65-F5344CB8AC3E}">
-        <p14:creationId xmlns="" xmlns:p14="http://schemas.microsoft.com/office/powerpoint/2010/main" val="2085497776"/>
+        <p14:creationId xmlns:p14="http://schemas.microsoft.com/office/powerpoint/2010/main" val="2085497776"/>
       </p:ext>
     </p:extLst>
   </p:cSld>
@@ -19710,7 +20126,7 @@
           <a:blip r:embed="rId2" cstate="print">
             <a:extLst>
               <a:ext uri="{28A0092B-C50C-407E-A947-70E740481C1C}">
-                <a14:useLocalDpi xmlns="" xmlns:a14="http://schemas.microsoft.com/office/drawing/2010/main" val="0"/>
+                <a14:useLocalDpi xmlns:a14="http://schemas.microsoft.com/office/drawing/2010/main" val="0"/>
               </a:ext>
             </a:extLst>
           </a:blip>
@@ -19730,7 +20146,7 @@
           <a:noFill/>
           <a:extLst>
             <a:ext uri="{909E8E84-426E-40DD-AFC4-6F175D3DCCD1}">
-              <a14:hiddenFill xmlns="" xmlns:a14="http://schemas.microsoft.com/office/drawing/2010/main">
+              <a14:hiddenFill xmlns:a14="http://schemas.microsoft.com/office/drawing/2010/main">
                 <a:solidFill>
                   <a:srgbClr val="FFFFFF"/>
                 </a:solidFill>
@@ -19742,7 +20158,7 @@
     </p:spTree>
     <p:extLst>
       <p:ext uri="{BB962C8B-B14F-4D97-AF65-F5344CB8AC3E}">
-        <p14:creationId xmlns="" xmlns:p14="http://schemas.microsoft.com/office/powerpoint/2010/main" val="4055541380"/>
+        <p14:creationId xmlns:p14="http://schemas.microsoft.com/office/powerpoint/2010/main" val="4055541380"/>
       </p:ext>
     </p:extLst>
   </p:cSld>
@@ -20190,10 +20606,49 @@
           </a:p>
         </p:txBody>
       </p:sp>
+      <mc:AlternateContent xmlns:mc="http://schemas.openxmlformats.org/markup-compatibility/2006">
+        <mc:Choice xmlns:p14="http://schemas.microsoft.com/office/powerpoint/2010/main" Requires="p14">
+          <p:contentPart p14:bwMode="auto" r:id="rId2">
+            <p14:nvContentPartPr>
+              <p14:cNvPr id="5" name="잉크 4"/>
+              <p14:cNvContentPartPr/>
+              <p14:nvPr/>
+            </p14:nvContentPartPr>
+            <p14:xfrm>
+              <a:off x="5693496" y="3785064"/>
+              <a:ext cx="1268640" cy="19080"/>
+            </p14:xfrm>
+          </p:contentPart>
+        </mc:Choice>
+        <mc:Fallback>
+          <p:pic>
+            <p:nvPicPr>
+              <p:cNvPr id="5" name="잉크 4"/>
+              <p:cNvPicPr/>
+              <p:nvPr/>
+            </p:nvPicPr>
+            <p:blipFill>
+              <a:blip r:embed="rId3"/>
+              <a:stretch>
+                <a:fillRect/>
+              </a:stretch>
+            </p:blipFill>
+            <p:spPr>
+              <a:xfrm>
+                <a:off x="5681616" y="3773184"/>
+                <a:ext cx="1292400" cy="42840"/>
+              </a:xfrm>
+              <a:prstGeom prst="rect">
+                <a:avLst/>
+              </a:prstGeom>
+            </p:spPr>
+          </p:pic>
+        </mc:Fallback>
+      </mc:AlternateContent>
     </p:spTree>
     <p:extLst>
       <p:ext uri="{BB962C8B-B14F-4D97-AF65-F5344CB8AC3E}">
-        <p14:creationId xmlns="" xmlns:p14="http://schemas.microsoft.com/office/powerpoint/2010/main" val="2308495224"/>
+        <p14:creationId xmlns:p14="http://schemas.microsoft.com/office/powerpoint/2010/main" val="2308495224"/>
       </p:ext>
     </p:extLst>
   </p:cSld>
@@ -20699,7 +21154,7 @@
           <a:blip r:embed="rId2" cstate="print">
             <a:extLst>
               <a:ext uri="{28A0092B-C50C-407E-A947-70E740481C1C}">
-                <a14:useLocalDpi xmlns="" xmlns:a14="http://schemas.microsoft.com/office/drawing/2010/main" val="0"/>
+                <a14:useLocalDpi xmlns:a14="http://schemas.microsoft.com/office/drawing/2010/main" val="0"/>
               </a:ext>
             </a:extLst>
           </a:blip>
@@ -20719,7 +21174,7 @@
           <a:noFill/>
           <a:extLst>
             <a:ext uri="{909E8E84-426E-40DD-AFC4-6F175D3DCCD1}">
-              <a14:hiddenFill xmlns="" xmlns:a14="http://schemas.microsoft.com/office/drawing/2010/main">
+              <a14:hiddenFill xmlns:a14="http://schemas.microsoft.com/office/drawing/2010/main">
                 <a:solidFill>
                   <a:srgbClr val="FFFFFF"/>
                 </a:solidFill>
@@ -20728,10 +21183,127 @@
           </a:extLst>
         </p:spPr>
       </p:pic>
+      <mc:AlternateContent xmlns:mc="http://schemas.openxmlformats.org/markup-compatibility/2006">
+        <mc:Choice xmlns:p14="http://schemas.microsoft.com/office/powerpoint/2010/main" Requires="p14">
+          <p:contentPart p14:bwMode="auto" r:id="rId3">
+            <p14:nvContentPartPr>
+              <p14:cNvPr id="5" name="잉크 4"/>
+              <p14:cNvContentPartPr/>
+              <p14:nvPr/>
+            </p14:nvContentPartPr>
+            <p14:xfrm>
+              <a:off x="1877496" y="3840504"/>
+              <a:ext cx="731880" cy="360"/>
+            </p14:xfrm>
+          </p:contentPart>
+        </mc:Choice>
+        <mc:Fallback>
+          <p:pic>
+            <p:nvPicPr>
+              <p:cNvPr id="5" name="잉크 4"/>
+              <p:cNvPicPr/>
+              <p:nvPr/>
+            </p:nvPicPr>
+            <p:blipFill>
+              <a:blip r:embed="rId4"/>
+              <a:stretch>
+                <a:fillRect/>
+              </a:stretch>
+            </p:blipFill>
+            <p:spPr>
+              <a:xfrm>
+                <a:off x="1865616" y="3828624"/>
+                <a:ext cx="755640" cy="24120"/>
+              </a:xfrm>
+              <a:prstGeom prst="rect">
+                <a:avLst/>
+              </a:prstGeom>
+            </p:spPr>
+          </p:pic>
+        </mc:Fallback>
+      </mc:AlternateContent>
+      <mc:AlternateContent xmlns:mc="http://schemas.openxmlformats.org/markup-compatibility/2006">
+        <mc:Choice xmlns:p14="http://schemas.microsoft.com/office/powerpoint/2010/main" Requires="p14">
+          <p:contentPart p14:bwMode="auto" r:id="rId5">
+            <p14:nvContentPartPr>
+              <p14:cNvPr id="6" name="잉크 5"/>
+              <p14:cNvContentPartPr/>
+              <p14:nvPr/>
+            </p14:nvContentPartPr>
+            <p14:xfrm>
+              <a:off x="1816656" y="2755464"/>
+              <a:ext cx="865440" cy="720"/>
+            </p14:xfrm>
+          </p:contentPart>
+        </mc:Choice>
+        <mc:Fallback>
+          <p:pic>
+            <p:nvPicPr>
+              <p:cNvPr id="6" name="잉크 5"/>
+              <p:cNvPicPr/>
+              <p:nvPr/>
+            </p:nvPicPr>
+            <p:blipFill>
+              <a:blip r:embed="rId6"/>
+              <a:stretch>
+                <a:fillRect/>
+              </a:stretch>
+            </p:blipFill>
+            <p:spPr>
+              <a:xfrm>
+                <a:off x="1768776" y="2659344"/>
+                <a:ext cx="961560" cy="192600"/>
+              </a:xfrm>
+              <a:prstGeom prst="rect">
+                <a:avLst/>
+              </a:prstGeom>
+            </p:spPr>
+          </p:pic>
+        </mc:Fallback>
+      </mc:AlternateContent>
+      <mc:AlternateContent xmlns:mc="http://schemas.openxmlformats.org/markup-compatibility/2006">
+        <mc:Choice xmlns:p14="http://schemas.microsoft.com/office/powerpoint/2010/main" Requires="p14">
+          <p:contentPart p14:bwMode="auto" r:id="rId7">
+            <p14:nvContentPartPr>
+              <p14:cNvPr id="7" name="잉크 6"/>
+              <p14:cNvContentPartPr/>
+              <p14:nvPr/>
+            </p14:nvContentPartPr>
+            <p14:xfrm>
+              <a:off x="1889736" y="3742944"/>
+              <a:ext cx="792360" cy="360"/>
+            </p14:xfrm>
+          </p:contentPart>
+        </mc:Choice>
+        <mc:Fallback>
+          <p:pic>
+            <p:nvPicPr>
+              <p:cNvPr id="7" name="잉크 6"/>
+              <p:cNvPicPr/>
+              <p:nvPr/>
+            </p:nvPicPr>
+            <p:blipFill>
+              <a:blip r:embed="rId8"/>
+              <a:stretch>
+                <a:fillRect/>
+              </a:stretch>
+            </p:blipFill>
+            <p:spPr>
+              <a:xfrm>
+                <a:off x="1841856" y="3646824"/>
+                <a:ext cx="888480" cy="192600"/>
+              </a:xfrm>
+              <a:prstGeom prst="rect">
+                <a:avLst/>
+              </a:prstGeom>
+            </p:spPr>
+          </p:pic>
+        </mc:Fallback>
+      </mc:AlternateContent>
     </p:spTree>
     <p:extLst>
       <p:ext uri="{BB962C8B-B14F-4D97-AF65-F5344CB8AC3E}">
-        <p14:creationId xmlns="" xmlns:p14="http://schemas.microsoft.com/office/powerpoint/2010/main" val="763507011"/>
+        <p14:creationId xmlns:p14="http://schemas.microsoft.com/office/powerpoint/2010/main" val="763507011"/>
       </p:ext>
     </p:extLst>
   </p:cSld>
@@ -21200,7 +21772,7 @@
     </p:spTree>
     <p:extLst>
       <p:ext uri="{BB962C8B-B14F-4D97-AF65-F5344CB8AC3E}">
-        <p14:creationId xmlns="" xmlns:p14="http://schemas.microsoft.com/office/powerpoint/2010/main" val="3310939511"/>
+        <p14:creationId xmlns:p14="http://schemas.microsoft.com/office/powerpoint/2010/main" val="3310939511"/>
       </p:ext>
     </p:extLst>
   </p:cSld>
@@ -21832,7 +22404,7 @@
           <a:blip r:embed="rId2" cstate="print">
             <a:extLst>
               <a:ext uri="{28A0092B-C50C-407E-A947-70E740481C1C}">
-                <a14:useLocalDpi xmlns="" xmlns:a14="http://schemas.microsoft.com/office/drawing/2010/main" val="0"/>
+                <a14:useLocalDpi xmlns:a14="http://schemas.microsoft.com/office/drawing/2010/main" val="0"/>
               </a:ext>
             </a:extLst>
           </a:blip>
@@ -21852,7 +22424,7 @@
           <a:noFill/>
           <a:extLst>
             <a:ext uri="{909E8E84-426E-40DD-AFC4-6F175D3DCCD1}">
-              <a14:hiddenFill xmlns="" xmlns:a14="http://schemas.microsoft.com/office/drawing/2010/main">
+              <a14:hiddenFill xmlns:a14="http://schemas.microsoft.com/office/drawing/2010/main">
                 <a:solidFill>
                   <a:srgbClr val="FFFFFF"/>
                 </a:solidFill>
@@ -21864,7 +22436,7 @@
     </p:spTree>
     <p:extLst>
       <p:ext uri="{BB962C8B-B14F-4D97-AF65-F5344CB8AC3E}">
-        <p14:creationId xmlns="" xmlns:p14="http://schemas.microsoft.com/office/powerpoint/2010/main" val="3756190230"/>
+        <p14:creationId xmlns:p14="http://schemas.microsoft.com/office/powerpoint/2010/main" val="3756190230"/>
       </p:ext>
     </p:extLst>
   </p:cSld>
@@ -22352,7 +22924,7 @@
     </p:spTree>
     <p:extLst>
       <p:ext uri="{BB962C8B-B14F-4D97-AF65-F5344CB8AC3E}">
-        <p14:creationId xmlns="" xmlns:p14="http://schemas.microsoft.com/office/powerpoint/2010/main" val="881915434"/>
+        <p14:creationId xmlns:p14="http://schemas.microsoft.com/office/powerpoint/2010/main" val="881915434"/>
       </p:ext>
     </p:extLst>
   </p:cSld>
@@ -22723,7 +23295,7 @@
           <a:blip r:embed="rId2" cstate="print">
             <a:extLst>
               <a:ext uri="{28A0092B-C50C-407E-A947-70E740481C1C}">
-                <a14:useLocalDpi xmlns="" xmlns:a14="http://schemas.microsoft.com/office/drawing/2010/main" val="0"/>
+                <a14:useLocalDpi xmlns:a14="http://schemas.microsoft.com/office/drawing/2010/main" val="0"/>
               </a:ext>
             </a:extLst>
           </a:blip>
@@ -22743,7 +23315,7 @@
           <a:noFill/>
           <a:extLst>
             <a:ext uri="{909E8E84-426E-40DD-AFC4-6F175D3DCCD1}">
-              <a14:hiddenFill xmlns="" xmlns:a14="http://schemas.microsoft.com/office/drawing/2010/main">
+              <a14:hiddenFill xmlns:a14="http://schemas.microsoft.com/office/drawing/2010/main">
                 <a:solidFill>
                   <a:srgbClr val="FFFFFF"/>
                 </a:solidFill>
@@ -22755,7 +23327,7 @@
     </p:spTree>
     <p:extLst>
       <p:ext uri="{BB962C8B-B14F-4D97-AF65-F5344CB8AC3E}">
-        <p14:creationId xmlns="" xmlns:p14="http://schemas.microsoft.com/office/powerpoint/2010/main" val="1362240952"/>
+        <p14:creationId xmlns:p14="http://schemas.microsoft.com/office/powerpoint/2010/main" val="1362240952"/>
       </p:ext>
     </p:extLst>
   </p:cSld>
@@ -23287,7 +23859,7 @@
           <a:blip r:embed="rId2" cstate="print">
             <a:extLst>
               <a:ext uri="{28A0092B-C50C-407E-A947-70E740481C1C}">
-                <a14:useLocalDpi xmlns="" xmlns:a14="http://schemas.microsoft.com/office/drawing/2010/main" val="0"/>
+                <a14:useLocalDpi xmlns:a14="http://schemas.microsoft.com/office/drawing/2010/main" val="0"/>
               </a:ext>
             </a:extLst>
           </a:blip>
@@ -23307,7 +23879,7 @@
           <a:noFill/>
           <a:extLst>
             <a:ext uri="{909E8E84-426E-40DD-AFC4-6F175D3DCCD1}">
-              <a14:hiddenFill xmlns="" xmlns:a14="http://schemas.microsoft.com/office/drawing/2010/main">
+              <a14:hiddenFill xmlns:a14="http://schemas.microsoft.com/office/drawing/2010/main">
                 <a:solidFill>
                   <a:srgbClr val="FFFFFF"/>
                 </a:solidFill>
@@ -23319,7 +23891,7 @@
     </p:spTree>
     <p:extLst>
       <p:ext uri="{BB962C8B-B14F-4D97-AF65-F5344CB8AC3E}">
-        <p14:creationId xmlns="" xmlns:p14="http://schemas.microsoft.com/office/powerpoint/2010/main" val="2335841594"/>
+        <p14:creationId xmlns:p14="http://schemas.microsoft.com/office/powerpoint/2010/main" val="2335841594"/>
       </p:ext>
     </p:extLst>
   </p:cSld>
@@ -23431,7 +24003,7 @@
           <a:blip r:embed="rId2" cstate="print">
             <a:extLst>
               <a:ext uri="{28A0092B-C50C-407E-A947-70E740481C1C}">
-                <a14:useLocalDpi xmlns="" xmlns:a14="http://schemas.microsoft.com/office/drawing/2010/main" val="0"/>
+                <a14:useLocalDpi xmlns:a14="http://schemas.microsoft.com/office/drawing/2010/main" val="0"/>
               </a:ext>
             </a:extLst>
           </a:blip>
@@ -23454,14 +24026,14 @@
           </a:ln>
           <a:extLst>
             <a:ext uri="{909E8E84-426E-40DD-AFC4-6F175D3DCCD1}">
-              <a14:hiddenFill xmlns="" xmlns:a14="http://schemas.microsoft.com/office/drawing/2010/main">
+              <a14:hiddenFill xmlns:a14="http://schemas.microsoft.com/office/drawing/2010/main">
                 <a:solidFill>
                   <a:schemeClr val="accent1"/>
                 </a:solidFill>
               </a14:hiddenFill>
             </a:ext>
             <a:ext uri="{91240B29-F687-4F45-9708-019B960494DF}">
-              <a14:hiddenLine xmlns="" xmlns:a14="http://schemas.microsoft.com/office/drawing/2010/main" w="9525">
+              <a14:hiddenLine xmlns:a14="http://schemas.microsoft.com/office/drawing/2010/main" w="9525">
                 <a:solidFill>
                   <a:schemeClr val="tx1"/>
                 </a:solidFill>
@@ -23476,7 +24048,7 @@
     </p:spTree>
     <p:extLst>
       <p:ext uri="{BB962C8B-B14F-4D97-AF65-F5344CB8AC3E}">
-        <p14:creationId xmlns="" xmlns:p14="http://schemas.microsoft.com/office/powerpoint/2010/main" val="1432779552"/>
+        <p14:creationId xmlns:p14="http://schemas.microsoft.com/office/powerpoint/2010/main" val="1432779552"/>
       </p:ext>
     </p:extLst>
   </p:cSld>
@@ -23551,7 +24123,7 @@
           <a:blip r:embed="rId2" cstate="print">
             <a:extLst>
               <a:ext uri="{28A0092B-C50C-407E-A947-70E740481C1C}">
-                <a14:useLocalDpi xmlns="" xmlns:a14="http://schemas.microsoft.com/office/drawing/2010/main" val="0"/>
+                <a14:useLocalDpi xmlns:a14="http://schemas.microsoft.com/office/drawing/2010/main" val="0"/>
               </a:ext>
             </a:extLst>
           </a:blip>
@@ -23571,7 +24143,7 @@
           <a:noFill/>
           <a:extLst>
             <a:ext uri="{909E8E84-426E-40DD-AFC4-6F175D3DCCD1}">
-              <a14:hiddenFill xmlns="" xmlns:a14="http://schemas.microsoft.com/office/drawing/2010/main">
+              <a14:hiddenFill xmlns:a14="http://schemas.microsoft.com/office/drawing/2010/main">
                 <a:solidFill>
                   <a:srgbClr val="FFFFFF"/>
                 </a:solidFill>
@@ -23592,7 +24164,7 @@
           <a:blip r:embed="rId3" cstate="print">
             <a:extLst>
               <a:ext uri="{28A0092B-C50C-407E-A947-70E740481C1C}">
-                <a14:useLocalDpi xmlns="" xmlns:a14="http://schemas.microsoft.com/office/drawing/2010/main" val="0"/>
+                <a14:useLocalDpi xmlns:a14="http://schemas.microsoft.com/office/drawing/2010/main" val="0"/>
               </a:ext>
             </a:extLst>
           </a:blip>
@@ -23615,14 +24187,14 @@
           </a:ln>
           <a:extLst>
             <a:ext uri="{909E8E84-426E-40DD-AFC4-6F175D3DCCD1}">
-              <a14:hiddenFill xmlns="" xmlns:a14="http://schemas.microsoft.com/office/drawing/2010/main">
+              <a14:hiddenFill xmlns:a14="http://schemas.microsoft.com/office/drawing/2010/main">
                 <a:solidFill>
                   <a:schemeClr val="accent1"/>
                 </a:solidFill>
               </a14:hiddenFill>
             </a:ext>
             <a:ext uri="{91240B29-F687-4F45-9708-019B960494DF}">
-              <a14:hiddenLine xmlns="" xmlns:a14="http://schemas.microsoft.com/office/drawing/2010/main" w="9525">
+              <a14:hiddenLine xmlns:a14="http://schemas.microsoft.com/office/drawing/2010/main" w="9525">
                 <a:solidFill>
                   <a:schemeClr val="tx1"/>
                 </a:solidFill>
@@ -23637,7 +24209,7 @@
     </p:spTree>
     <p:extLst>
       <p:ext uri="{BB962C8B-B14F-4D97-AF65-F5344CB8AC3E}">
-        <p14:creationId xmlns="" xmlns:p14="http://schemas.microsoft.com/office/powerpoint/2010/main" val="4277291715"/>
+        <p14:creationId xmlns:p14="http://schemas.microsoft.com/office/powerpoint/2010/main" val="4277291715"/>
       </p:ext>
     </p:extLst>
   </p:cSld>
@@ -23749,7 +24321,7 @@
           <a:blip r:embed="rId2" cstate="print">
             <a:extLst>
               <a:ext uri="{28A0092B-C50C-407E-A947-70E740481C1C}">
-                <a14:useLocalDpi xmlns="" xmlns:a14="http://schemas.microsoft.com/office/drawing/2010/main" val="0"/>
+                <a14:useLocalDpi xmlns:a14="http://schemas.microsoft.com/office/drawing/2010/main" val="0"/>
               </a:ext>
             </a:extLst>
           </a:blip>
@@ -23769,7 +24341,7 @@
           <a:noFill/>
           <a:extLst>
             <a:ext uri="{909E8E84-426E-40DD-AFC4-6F175D3DCCD1}">
-              <a14:hiddenFill xmlns="" xmlns:a14="http://schemas.microsoft.com/office/drawing/2010/main">
+              <a14:hiddenFill xmlns:a14="http://schemas.microsoft.com/office/drawing/2010/main">
                 <a:solidFill>
                   <a:srgbClr val="FFFFFF"/>
                 </a:solidFill>
@@ -23845,7 +24417,7 @@
     </p:spTree>
     <p:extLst>
       <p:ext uri="{BB962C8B-B14F-4D97-AF65-F5344CB8AC3E}">
-        <p14:creationId xmlns="" xmlns:p14="http://schemas.microsoft.com/office/powerpoint/2010/main" val="243100197"/>
+        <p14:creationId xmlns:p14="http://schemas.microsoft.com/office/powerpoint/2010/main" val="243100197"/>
       </p:ext>
     </p:extLst>
   </p:cSld>
@@ -23919,7 +24491,7 @@
           <a:blip r:embed="rId2" cstate="print">
             <a:extLst>
               <a:ext uri="{28A0092B-C50C-407E-A947-70E740481C1C}">
-                <a14:useLocalDpi xmlns="" xmlns:a14="http://schemas.microsoft.com/office/drawing/2010/main" val="0"/>
+                <a14:useLocalDpi xmlns:a14="http://schemas.microsoft.com/office/drawing/2010/main" val="0"/>
               </a:ext>
             </a:extLst>
           </a:blip>
@@ -23939,7 +24511,7 @@
           <a:noFill/>
           <a:extLst>
             <a:ext uri="{909E8E84-426E-40DD-AFC4-6F175D3DCCD1}">
-              <a14:hiddenFill xmlns="" xmlns:a14="http://schemas.microsoft.com/office/drawing/2010/main">
+              <a14:hiddenFill xmlns:a14="http://schemas.microsoft.com/office/drawing/2010/main">
                 <a:solidFill>
                   <a:srgbClr val="FFFFFF"/>
                 </a:solidFill>
@@ -23960,7 +24532,7 @@
           <a:blip r:embed="rId3" cstate="print">
             <a:extLst>
               <a:ext uri="{28A0092B-C50C-407E-A947-70E740481C1C}">
-                <a14:useLocalDpi xmlns="" xmlns:a14="http://schemas.microsoft.com/office/drawing/2010/main" val="0"/>
+                <a14:useLocalDpi xmlns:a14="http://schemas.microsoft.com/office/drawing/2010/main" val="0"/>
               </a:ext>
             </a:extLst>
           </a:blip>
@@ -23980,7 +24552,7 @@
           <a:noFill/>
           <a:extLst>
             <a:ext uri="{909E8E84-426E-40DD-AFC4-6F175D3DCCD1}">
-              <a14:hiddenFill xmlns="" xmlns:a14="http://schemas.microsoft.com/office/drawing/2010/main">
+              <a14:hiddenFill xmlns:a14="http://schemas.microsoft.com/office/drawing/2010/main">
                 <a:solidFill>
                   <a:srgbClr val="FFFFFF"/>
                 </a:solidFill>
@@ -24001,7 +24573,7 @@
           <a:blip r:embed="rId4" cstate="print">
             <a:extLst>
               <a:ext uri="{28A0092B-C50C-407E-A947-70E740481C1C}">
-                <a14:useLocalDpi xmlns="" xmlns:a14="http://schemas.microsoft.com/office/drawing/2010/main" val="0"/>
+                <a14:useLocalDpi xmlns:a14="http://schemas.microsoft.com/office/drawing/2010/main" val="0"/>
               </a:ext>
             </a:extLst>
           </a:blip>
@@ -24021,7 +24593,7 @@
           <a:noFill/>
           <a:extLst>
             <a:ext uri="{909E8E84-426E-40DD-AFC4-6F175D3DCCD1}">
-              <a14:hiddenFill xmlns="" xmlns:a14="http://schemas.microsoft.com/office/drawing/2010/main">
+              <a14:hiddenFill xmlns:a14="http://schemas.microsoft.com/office/drawing/2010/main">
                 <a:solidFill>
                   <a:srgbClr val="FFFFFF"/>
                 </a:solidFill>
@@ -24081,7 +24653,7 @@
     </p:spTree>
     <p:extLst>
       <p:ext uri="{BB962C8B-B14F-4D97-AF65-F5344CB8AC3E}">
-        <p14:creationId xmlns="" xmlns:p14="http://schemas.microsoft.com/office/powerpoint/2010/main" val="348329241"/>
+        <p14:creationId xmlns:p14="http://schemas.microsoft.com/office/powerpoint/2010/main" val="348329241"/>
       </p:ext>
     </p:extLst>
   </p:cSld>
@@ -24295,7 +24867,7 @@
           <a:blip r:embed="rId2" cstate="print">
             <a:extLst>
               <a:ext uri="{28A0092B-C50C-407E-A947-70E740481C1C}">
-                <a14:useLocalDpi xmlns="" xmlns:a14="http://schemas.microsoft.com/office/drawing/2010/main" val="0"/>
+                <a14:useLocalDpi xmlns:a14="http://schemas.microsoft.com/office/drawing/2010/main" val="0"/>
               </a:ext>
             </a:extLst>
           </a:blip>
@@ -24318,14 +24890,14 @@
           </a:ln>
           <a:extLst>
             <a:ext uri="{909E8E84-426E-40DD-AFC4-6F175D3DCCD1}">
-              <a14:hiddenFill xmlns="" xmlns:a14="http://schemas.microsoft.com/office/drawing/2010/main">
+              <a14:hiddenFill xmlns:a14="http://schemas.microsoft.com/office/drawing/2010/main">
                 <a:solidFill>
                   <a:schemeClr val="accent1"/>
                 </a:solidFill>
               </a14:hiddenFill>
             </a:ext>
             <a:ext uri="{91240B29-F687-4F45-9708-019B960494DF}">
-              <a14:hiddenLine xmlns="" xmlns:a14="http://schemas.microsoft.com/office/drawing/2010/main" w="9525">
+              <a14:hiddenLine xmlns:a14="http://schemas.microsoft.com/office/drawing/2010/main" w="9525">
                 <a:solidFill>
                   <a:schemeClr val="tx1"/>
                 </a:solidFill>
@@ -24340,7 +24912,7 @@
     </p:spTree>
     <p:extLst>
       <p:ext uri="{BB962C8B-B14F-4D97-AF65-F5344CB8AC3E}">
-        <p14:creationId xmlns="" xmlns:p14="http://schemas.microsoft.com/office/powerpoint/2010/main" val="2781033169"/>
+        <p14:creationId xmlns:p14="http://schemas.microsoft.com/office/powerpoint/2010/main" val="2781033169"/>
       </p:ext>
     </p:extLst>
   </p:cSld>
@@ -24570,7 +25142,7 @@
           <a:blip r:embed="rId2" cstate="print">
             <a:extLst>
               <a:ext uri="{28A0092B-C50C-407E-A947-70E740481C1C}">
-                <a14:useLocalDpi xmlns="" xmlns:a14="http://schemas.microsoft.com/office/drawing/2010/main" val="0"/>
+                <a14:useLocalDpi xmlns:a14="http://schemas.microsoft.com/office/drawing/2010/main" val="0"/>
               </a:ext>
             </a:extLst>
           </a:blip>
@@ -24590,7 +25162,7 @@
           <a:noFill/>
           <a:extLst>
             <a:ext uri="{909E8E84-426E-40DD-AFC4-6F175D3DCCD1}">
-              <a14:hiddenFill xmlns="" xmlns:a14="http://schemas.microsoft.com/office/drawing/2010/main">
+              <a14:hiddenFill xmlns:a14="http://schemas.microsoft.com/office/drawing/2010/main">
                 <a:solidFill>
                   <a:srgbClr val="FFFFFF"/>
                 </a:solidFill>
@@ -24602,7 +25174,7 @@
     </p:spTree>
     <p:extLst>
       <p:ext uri="{BB962C8B-B14F-4D97-AF65-F5344CB8AC3E}">
-        <p14:creationId xmlns="" xmlns:p14="http://schemas.microsoft.com/office/powerpoint/2010/main" val="2461920484"/>
+        <p14:creationId xmlns:p14="http://schemas.microsoft.com/office/powerpoint/2010/main" val="2461920484"/>
       </p:ext>
     </p:extLst>
   </p:cSld>
@@ -24789,7 +25361,7 @@
           <a:blip r:embed="rId2" cstate="print">
             <a:extLst>
               <a:ext uri="{28A0092B-C50C-407E-A947-70E740481C1C}">
-                <a14:useLocalDpi xmlns="" xmlns:a14="http://schemas.microsoft.com/office/drawing/2010/main" val="0"/>
+                <a14:useLocalDpi xmlns:a14="http://schemas.microsoft.com/office/drawing/2010/main" val="0"/>
               </a:ext>
             </a:extLst>
           </a:blip>
@@ -24809,7 +25381,7 @@
           <a:noFill/>
           <a:extLst>
             <a:ext uri="{909E8E84-426E-40DD-AFC4-6F175D3DCCD1}">
-              <a14:hiddenFill xmlns="" xmlns:a14="http://schemas.microsoft.com/office/drawing/2010/main">
+              <a14:hiddenFill xmlns:a14="http://schemas.microsoft.com/office/drawing/2010/main">
                 <a:solidFill>
                   <a:srgbClr val="FFFFFF"/>
                 </a:solidFill>
@@ -24818,10 +25390,88 @@
           </a:extLst>
         </p:spPr>
       </p:pic>
+      <mc:AlternateContent xmlns:mc="http://schemas.openxmlformats.org/markup-compatibility/2006">
+        <mc:Choice xmlns:p14="http://schemas.microsoft.com/office/powerpoint/2010/main" Requires="p14">
+          <p:contentPart p14:bwMode="auto" r:id="rId3">
+            <p14:nvContentPartPr>
+              <p14:cNvPr id="5" name="잉크 4"/>
+              <p14:cNvContentPartPr/>
+              <p14:nvPr/>
+            </p14:nvContentPartPr>
+            <p14:xfrm>
+              <a:off x="3840576" y="1565664"/>
+              <a:ext cx="2572920" cy="43920"/>
+            </p14:xfrm>
+          </p:contentPart>
+        </mc:Choice>
+        <mc:Fallback>
+          <p:pic>
+            <p:nvPicPr>
+              <p:cNvPr id="5" name="잉크 4"/>
+              <p:cNvPicPr/>
+              <p:nvPr/>
+            </p:nvPicPr>
+            <p:blipFill>
+              <a:blip r:embed="rId4"/>
+              <a:stretch>
+                <a:fillRect/>
+              </a:stretch>
+            </p:blipFill>
+            <p:spPr>
+              <a:xfrm>
+                <a:off x="3828696" y="1553784"/>
+                <a:ext cx="2596680" cy="67680"/>
+              </a:xfrm>
+              <a:prstGeom prst="rect">
+                <a:avLst/>
+              </a:prstGeom>
+            </p:spPr>
+          </p:pic>
+        </mc:Fallback>
+      </mc:AlternateContent>
+      <mc:AlternateContent xmlns:mc="http://schemas.openxmlformats.org/markup-compatibility/2006">
+        <mc:Choice xmlns:p14="http://schemas.microsoft.com/office/powerpoint/2010/main" Requires="p14">
+          <p:contentPart p14:bwMode="auto" r:id="rId5">
+            <p14:nvContentPartPr>
+              <p14:cNvPr id="7" name="잉크 6"/>
+              <p14:cNvContentPartPr/>
+              <p14:nvPr/>
+            </p14:nvContentPartPr>
+            <p14:xfrm>
+              <a:off x="2883336" y="261744"/>
+              <a:ext cx="1413720" cy="751680"/>
+            </p14:xfrm>
+          </p:contentPart>
+        </mc:Choice>
+        <mc:Fallback>
+          <p:pic>
+            <p:nvPicPr>
+              <p:cNvPr id="7" name="잉크 6"/>
+              <p:cNvPicPr/>
+              <p:nvPr/>
+            </p:nvPicPr>
+            <p:blipFill>
+              <a:blip r:embed="rId6"/>
+              <a:stretch>
+                <a:fillRect/>
+              </a:stretch>
+            </p:blipFill>
+            <p:spPr>
+              <a:xfrm>
+                <a:off x="2871456" y="249864"/>
+                <a:ext cx="1437480" cy="775440"/>
+              </a:xfrm>
+              <a:prstGeom prst="rect">
+                <a:avLst/>
+              </a:prstGeom>
+            </p:spPr>
+          </p:pic>
+        </mc:Fallback>
+      </mc:AlternateContent>
     </p:spTree>
     <p:extLst>
       <p:ext uri="{BB962C8B-B14F-4D97-AF65-F5344CB8AC3E}">
-        <p14:creationId xmlns="" xmlns:p14="http://schemas.microsoft.com/office/powerpoint/2010/main" val="32815377"/>
+        <p14:creationId xmlns:p14="http://schemas.microsoft.com/office/powerpoint/2010/main" val="32815377"/>
       </p:ext>
     </p:extLst>
   </p:cSld>
@@ -25321,10 +25971,88 @@
           </a:p>
         </p:txBody>
       </p:sp>
+      <mc:AlternateContent xmlns:mc="http://schemas.openxmlformats.org/markup-compatibility/2006">
+        <mc:Choice xmlns:p14="http://schemas.microsoft.com/office/powerpoint/2010/main" Requires="p14">
+          <p:contentPart p14:bwMode="auto" r:id="rId2">
+            <p14:nvContentPartPr>
+              <p14:cNvPr id="5" name="잉크 4"/>
+              <p14:cNvContentPartPr/>
+              <p14:nvPr/>
+            </p14:nvContentPartPr>
+            <p14:xfrm>
+              <a:off x="2499216" y="2519304"/>
+              <a:ext cx="817200" cy="29160"/>
+            </p14:xfrm>
+          </p:contentPart>
+        </mc:Choice>
+        <mc:Fallback>
+          <p:pic>
+            <p:nvPicPr>
+              <p:cNvPr id="5" name="잉크 4"/>
+              <p:cNvPicPr/>
+              <p:nvPr/>
+            </p:nvPicPr>
+            <p:blipFill>
+              <a:blip r:embed="rId3"/>
+              <a:stretch>
+                <a:fillRect/>
+              </a:stretch>
+            </p:blipFill>
+            <p:spPr>
+              <a:xfrm>
+                <a:off x="2487336" y="2507424"/>
+                <a:ext cx="840960" cy="52920"/>
+              </a:xfrm>
+              <a:prstGeom prst="rect">
+                <a:avLst/>
+              </a:prstGeom>
+            </p:spPr>
+          </p:pic>
+        </mc:Fallback>
+      </mc:AlternateContent>
+      <mc:AlternateContent xmlns:mc="http://schemas.openxmlformats.org/markup-compatibility/2006">
+        <mc:Choice xmlns:p14="http://schemas.microsoft.com/office/powerpoint/2010/main" Requires="p14">
+          <p:contentPart p14:bwMode="auto" r:id="rId4">
+            <p14:nvContentPartPr>
+              <p14:cNvPr id="6" name="잉크 5"/>
+              <p14:cNvContentPartPr/>
+              <p14:nvPr/>
+            </p14:nvContentPartPr>
+            <p14:xfrm>
+              <a:off x="2548176" y="2336784"/>
+              <a:ext cx="707400" cy="28800"/>
+            </p14:xfrm>
+          </p:contentPart>
+        </mc:Choice>
+        <mc:Fallback>
+          <p:pic>
+            <p:nvPicPr>
+              <p:cNvPr id="6" name="잉크 5"/>
+              <p:cNvPicPr/>
+              <p:nvPr/>
+            </p:nvPicPr>
+            <p:blipFill>
+              <a:blip r:embed="rId5"/>
+              <a:stretch>
+                <a:fillRect/>
+              </a:stretch>
+            </p:blipFill>
+            <p:spPr>
+              <a:xfrm>
+                <a:off x="2500296" y="2241024"/>
+                <a:ext cx="803160" cy="220680"/>
+              </a:xfrm>
+              <a:prstGeom prst="rect">
+                <a:avLst/>
+              </a:prstGeom>
+            </p:spPr>
+          </p:pic>
+        </mc:Fallback>
+      </mc:AlternateContent>
     </p:spTree>
     <p:extLst>
       <p:ext uri="{BB962C8B-B14F-4D97-AF65-F5344CB8AC3E}">
-        <p14:creationId xmlns="" xmlns:p14="http://schemas.microsoft.com/office/powerpoint/2010/main" val="1252710582"/>
+        <p14:creationId xmlns:p14="http://schemas.microsoft.com/office/powerpoint/2010/main" val="1252710582"/>
       </p:ext>
     </p:extLst>
   </p:cSld>
@@ -25793,7 +26521,7 @@
     </p:spTree>
     <p:extLst>
       <p:ext uri="{BB962C8B-B14F-4D97-AF65-F5344CB8AC3E}">
-        <p14:creationId xmlns="" xmlns:p14="http://schemas.microsoft.com/office/powerpoint/2010/main" val="678360419"/>
+        <p14:creationId xmlns:p14="http://schemas.microsoft.com/office/powerpoint/2010/main" val="678360419"/>
       </p:ext>
     </p:extLst>
   </p:cSld>
@@ -26172,7 +26900,7 @@
     </p:spTree>
     <p:extLst>
       <p:ext uri="{BB962C8B-B14F-4D97-AF65-F5344CB8AC3E}">
-        <p14:creationId xmlns="" xmlns:p14="http://schemas.microsoft.com/office/powerpoint/2010/main" val="2176346870"/>
+        <p14:creationId xmlns:p14="http://schemas.microsoft.com/office/powerpoint/2010/main" val="2176346870"/>
       </p:ext>
     </p:extLst>
   </p:cSld>
@@ -26775,10 +27503,49 @@
           </a:p>
         </p:txBody>
       </p:sp>
+      <mc:AlternateContent xmlns:mc="http://schemas.openxmlformats.org/markup-compatibility/2006">
+        <mc:Choice xmlns:p14="http://schemas.microsoft.com/office/powerpoint/2010/main" Requires="p14">
+          <p:contentPart p14:bwMode="auto" r:id="rId2">
+            <p14:nvContentPartPr>
+              <p14:cNvPr id="5" name="잉크 4"/>
+              <p14:cNvContentPartPr/>
+              <p14:nvPr/>
+            </p14:nvContentPartPr>
+            <p14:xfrm>
+              <a:off x="2024016" y="1457304"/>
+              <a:ext cx="853560" cy="298800"/>
+            </p14:xfrm>
+          </p:contentPart>
+        </mc:Choice>
+        <mc:Fallback>
+          <p:pic>
+            <p:nvPicPr>
+              <p:cNvPr id="5" name="잉크 4"/>
+              <p:cNvPicPr/>
+              <p:nvPr/>
+            </p:nvPicPr>
+            <p:blipFill>
+              <a:blip r:embed="rId3"/>
+              <a:stretch>
+                <a:fillRect/>
+              </a:stretch>
+            </p:blipFill>
+            <p:spPr>
+              <a:xfrm>
+                <a:off x="2012136" y="1445424"/>
+                <a:ext cx="877320" cy="322560"/>
+              </a:xfrm>
+              <a:prstGeom prst="rect">
+                <a:avLst/>
+              </a:prstGeom>
+            </p:spPr>
+          </p:pic>
+        </mc:Fallback>
+      </mc:AlternateContent>
     </p:spTree>
     <p:extLst>
       <p:ext uri="{BB962C8B-B14F-4D97-AF65-F5344CB8AC3E}">
-        <p14:creationId xmlns="" xmlns:p14="http://schemas.microsoft.com/office/powerpoint/2010/main" val="520904850"/>
+        <p14:creationId xmlns:p14="http://schemas.microsoft.com/office/powerpoint/2010/main" val="520904850"/>
       </p:ext>
     </p:extLst>
   </p:cSld>
